--- a/docs/ARP_CAM_System.pptx
+++ b/docs/ARP_CAM_System.pptx
@@ -104,6 +104,11 @@
       </a:defRPr>
     </a:lvl9pPr>
   </p:defaultTextStyle>
+  <p:extLst>
+    <p:ext uri="{EFAFB233-063F-42B5-8137-9DF3F51BA10A}">
+      <p15:sldGuideLst xmlns:p15="http://schemas.microsoft.com/office/powerpoint/2012/main"/>
+    </p:ext>
+  </p:extLst>
 </p:presentation>
 </file>
 
@@ -262,7 +267,7 @@
           <a:p>
             <a:fld id="{2B5A14DD-52E5-4A07-9C50-A1D7FE039FE9}" type="datetimeFigureOut">
               <a:rPr lang="en-US" smtClean="0"/>
-              <a:t>9/25/2019</a:t>
+              <a:t>9/26/2019</a:t>
             </a:fld>
             <a:endParaRPr lang="en-US"/>
           </a:p>
@@ -460,7 +465,7 @@
           <a:p>
             <a:fld id="{2B5A14DD-52E5-4A07-9C50-A1D7FE039FE9}" type="datetimeFigureOut">
               <a:rPr lang="en-US" smtClean="0"/>
-              <a:t>9/25/2019</a:t>
+              <a:t>9/26/2019</a:t>
             </a:fld>
             <a:endParaRPr lang="en-US"/>
           </a:p>
@@ -668,7 +673,7 @@
           <a:p>
             <a:fld id="{2B5A14DD-52E5-4A07-9C50-A1D7FE039FE9}" type="datetimeFigureOut">
               <a:rPr lang="en-US" smtClean="0"/>
-              <a:t>9/25/2019</a:t>
+              <a:t>9/26/2019</a:t>
             </a:fld>
             <a:endParaRPr lang="en-US"/>
           </a:p>
@@ -866,7 +871,7 @@
           <a:p>
             <a:fld id="{2B5A14DD-52E5-4A07-9C50-A1D7FE039FE9}" type="datetimeFigureOut">
               <a:rPr lang="en-US" smtClean="0"/>
-              <a:t>9/25/2019</a:t>
+              <a:t>9/26/2019</a:t>
             </a:fld>
             <a:endParaRPr lang="en-US"/>
           </a:p>
@@ -1141,7 +1146,7 @@
           <a:p>
             <a:fld id="{2B5A14DD-52E5-4A07-9C50-A1D7FE039FE9}" type="datetimeFigureOut">
               <a:rPr lang="en-US" smtClean="0"/>
-              <a:t>9/25/2019</a:t>
+              <a:t>9/26/2019</a:t>
             </a:fld>
             <a:endParaRPr lang="en-US"/>
           </a:p>
@@ -1406,7 +1411,7 @@
           <a:p>
             <a:fld id="{2B5A14DD-52E5-4A07-9C50-A1D7FE039FE9}" type="datetimeFigureOut">
               <a:rPr lang="en-US" smtClean="0"/>
-              <a:t>9/25/2019</a:t>
+              <a:t>9/26/2019</a:t>
             </a:fld>
             <a:endParaRPr lang="en-US"/>
           </a:p>
@@ -1818,7 +1823,7 @@
           <a:p>
             <a:fld id="{2B5A14DD-52E5-4A07-9C50-A1D7FE039FE9}" type="datetimeFigureOut">
               <a:rPr lang="en-US" smtClean="0"/>
-              <a:t>9/25/2019</a:t>
+              <a:t>9/26/2019</a:t>
             </a:fld>
             <a:endParaRPr lang="en-US"/>
           </a:p>
@@ -1959,7 +1964,7 @@
           <a:p>
             <a:fld id="{2B5A14DD-52E5-4A07-9C50-A1D7FE039FE9}" type="datetimeFigureOut">
               <a:rPr lang="en-US" smtClean="0"/>
-              <a:t>9/25/2019</a:t>
+              <a:t>9/26/2019</a:t>
             </a:fld>
             <a:endParaRPr lang="en-US"/>
           </a:p>
@@ -2072,7 +2077,7 @@
           <a:p>
             <a:fld id="{2B5A14DD-52E5-4A07-9C50-A1D7FE039FE9}" type="datetimeFigureOut">
               <a:rPr lang="en-US" smtClean="0"/>
-              <a:t>9/25/2019</a:t>
+              <a:t>9/26/2019</a:t>
             </a:fld>
             <a:endParaRPr lang="en-US"/>
           </a:p>
@@ -2383,7 +2388,7 @@
           <a:p>
             <a:fld id="{2B5A14DD-52E5-4A07-9C50-A1D7FE039FE9}" type="datetimeFigureOut">
               <a:rPr lang="en-US" smtClean="0"/>
-              <a:t>9/25/2019</a:t>
+              <a:t>9/26/2019</a:t>
             </a:fld>
             <a:endParaRPr lang="en-US"/>
           </a:p>
@@ -2671,7 +2676,7 @@
           <a:p>
             <a:fld id="{2B5A14DD-52E5-4A07-9C50-A1D7FE039FE9}" type="datetimeFigureOut">
               <a:rPr lang="en-US" smtClean="0"/>
-              <a:t>9/25/2019</a:t>
+              <a:t>9/26/2019</a:t>
             </a:fld>
             <a:endParaRPr lang="en-US"/>
           </a:p>
@@ -2912,7 +2917,7 @@
           <a:p>
             <a:fld id="{2B5A14DD-52E5-4A07-9C50-A1D7FE039FE9}" type="datetimeFigureOut">
               <a:rPr lang="en-US" smtClean="0"/>
-              <a:t>9/25/2019</a:t>
+              <a:t>9/26/2019</a:t>
             </a:fld>
             <a:endParaRPr lang="en-US"/>
           </a:p>
@@ -3976,7 +3981,7 @@
         </p:nvSpPr>
         <p:spPr>
           <a:xfrm>
-            <a:off x="4168421" y="1108656"/>
+            <a:off x="3874912" y="1105833"/>
             <a:ext cx="948267" cy="475488"/>
           </a:xfrm>
           <a:prstGeom prst="rect">
@@ -4017,7 +4022,7 @@
         </p:nvSpPr>
         <p:spPr>
           <a:xfrm>
-            <a:off x="6031068" y="1103011"/>
+            <a:off x="6397946" y="1105833"/>
             <a:ext cx="948267" cy="475488"/>
           </a:xfrm>
           <a:prstGeom prst="rect">
@@ -4326,8 +4331,8 @@
         </p:nvCxnSpPr>
         <p:spPr>
           <a:xfrm rot="16200000" flipH="1">
-            <a:off x="4607030" y="1619668"/>
-            <a:ext cx="720160" cy="649111"/>
+            <a:off x="4312110" y="1618257"/>
+            <a:ext cx="722983" cy="649110"/>
           </a:xfrm>
           <a:prstGeom prst="bentConnector3">
             <a:avLst/>
@@ -4369,10 +4374,95 @@
         </p:nvCxnSpPr>
         <p:spPr>
           <a:xfrm rot="5400000">
-            <a:off x="5833268" y="1626725"/>
-            <a:ext cx="720161" cy="623708"/>
+            <a:off x="6201558" y="1628137"/>
+            <a:ext cx="717338" cy="623707"/>
           </a:xfrm>
           <a:prstGeom prst="bentConnector3">
+            <a:avLst/>
+          </a:prstGeom>
+          <a:ln w="19050">
+            <a:solidFill>
+              <a:schemeClr val="tx1"/>
+            </a:solidFill>
+          </a:ln>
+        </p:spPr>
+        <p:style>
+          <a:lnRef idx="1">
+            <a:schemeClr val="accent1"/>
+          </a:lnRef>
+          <a:fillRef idx="0">
+            <a:schemeClr val="accent1"/>
+          </a:fillRef>
+          <a:effectRef idx="0">
+            <a:schemeClr val="accent1"/>
+          </a:effectRef>
+          <a:fontRef idx="minor">
+            <a:schemeClr val="tx1"/>
+          </a:fontRef>
+        </p:style>
+      </p:cxnSp>
+      <p:sp>
+        <p:nvSpPr>
+          <p:cNvPr id="28" name="TextBox 27">
+            <a:extLst>
+              <a:ext uri="{FF2B5EF4-FFF2-40B4-BE49-F238E27FC236}">
+                <a16:creationId xmlns:a16="http://schemas.microsoft.com/office/drawing/2014/main" id="{D04DA8AE-F15B-4BF0-A8A8-6EAFFC21A55C}"/>
+              </a:ext>
+            </a:extLst>
+          </p:cNvPr>
+          <p:cNvSpPr txBox="1"/>
+          <p:nvPr/>
+        </p:nvSpPr>
+        <p:spPr>
+          <a:xfrm>
+            <a:off x="5136429" y="1105833"/>
+            <a:ext cx="948267" cy="475488"/>
+          </a:xfrm>
+          <a:prstGeom prst="rect">
+            <a:avLst/>
+          </a:prstGeom>
+          <a:noFill/>
+          <a:ln>
+            <a:solidFill>
+              <a:schemeClr val="tx1"/>
+            </a:solidFill>
+          </a:ln>
+        </p:spPr>
+        <p:txBody>
+          <a:bodyPr wrap="square" rtlCol="0">
+            <a:noAutofit/>
+          </a:bodyPr>
+          <a:lstStyle/>
+          <a:p>
+            <a:pPr algn="ctr"/>
+            <a:r>
+              <a:rPr lang="pt-BR" sz="1100" dirty="0"/>
+              <a:t>Radio</a:t>
+            </a:r>
+          </a:p>
+        </p:txBody>
+      </p:sp>
+      <p:cxnSp>
+        <p:nvCxnSpPr>
+          <p:cNvPr id="3" name="Straight Connector 2">
+            <a:extLst>
+              <a:ext uri="{FF2B5EF4-FFF2-40B4-BE49-F238E27FC236}">
+                <a16:creationId xmlns:a16="http://schemas.microsoft.com/office/drawing/2014/main" id="{788EA2F8-A231-415D-B0AB-D5CA9974E8FD}"/>
+              </a:ext>
+            </a:extLst>
+          </p:cNvPr>
+          <p:cNvCxnSpPr>
+            <a:stCxn id="28" idx="2"/>
+            <a:endCxn id="27" idx="0"/>
+          </p:cNvCxnSpPr>
+          <p:nvPr/>
+        </p:nvCxnSpPr>
+        <p:spPr>
+          <a:xfrm>
+            <a:off x="5610563" y="1581321"/>
+            <a:ext cx="2837" cy="722983"/>
+          </a:xfrm>
+          <a:prstGeom prst="line">
             <a:avLst/>
           </a:prstGeom>
           <a:ln w="19050">

--- a/docs/ARP_CAM_System.pptx
+++ b/docs/ARP_CAM_System.pptx
@@ -6,6 +6,7 @@
   </p:sldMasterIdLst>
   <p:sldIdLst>
     <p:sldId id="256" r:id="rId2"/>
+    <p:sldId id="257" r:id="rId3"/>
   </p:sldIdLst>
   <p:sldSz cx="12192000" cy="6858000"/>
   <p:notesSz cx="6858000" cy="9144000"/>
@@ -267,7 +268,7 @@
           <a:p>
             <a:fld id="{2B5A14DD-52E5-4A07-9C50-A1D7FE039FE9}" type="datetimeFigureOut">
               <a:rPr lang="en-US" smtClean="0"/>
-              <a:t>9/26/2019</a:t>
+              <a:t>9/27/2019</a:t>
             </a:fld>
             <a:endParaRPr lang="en-US"/>
           </a:p>
@@ -465,7 +466,7 @@
           <a:p>
             <a:fld id="{2B5A14DD-52E5-4A07-9C50-A1D7FE039FE9}" type="datetimeFigureOut">
               <a:rPr lang="en-US" smtClean="0"/>
-              <a:t>9/26/2019</a:t>
+              <a:t>9/27/2019</a:t>
             </a:fld>
             <a:endParaRPr lang="en-US"/>
           </a:p>
@@ -673,7 +674,7 @@
           <a:p>
             <a:fld id="{2B5A14DD-52E5-4A07-9C50-A1D7FE039FE9}" type="datetimeFigureOut">
               <a:rPr lang="en-US" smtClean="0"/>
-              <a:t>9/26/2019</a:t>
+              <a:t>9/27/2019</a:t>
             </a:fld>
             <a:endParaRPr lang="en-US"/>
           </a:p>
@@ -871,7 +872,7 @@
           <a:p>
             <a:fld id="{2B5A14DD-52E5-4A07-9C50-A1D7FE039FE9}" type="datetimeFigureOut">
               <a:rPr lang="en-US" smtClean="0"/>
-              <a:t>9/26/2019</a:t>
+              <a:t>9/27/2019</a:t>
             </a:fld>
             <a:endParaRPr lang="en-US"/>
           </a:p>
@@ -1146,7 +1147,7 @@
           <a:p>
             <a:fld id="{2B5A14DD-52E5-4A07-9C50-A1D7FE039FE9}" type="datetimeFigureOut">
               <a:rPr lang="en-US" smtClean="0"/>
-              <a:t>9/26/2019</a:t>
+              <a:t>9/27/2019</a:t>
             </a:fld>
             <a:endParaRPr lang="en-US"/>
           </a:p>
@@ -1411,7 +1412,7 @@
           <a:p>
             <a:fld id="{2B5A14DD-52E5-4A07-9C50-A1D7FE039FE9}" type="datetimeFigureOut">
               <a:rPr lang="en-US" smtClean="0"/>
-              <a:t>9/26/2019</a:t>
+              <a:t>9/27/2019</a:t>
             </a:fld>
             <a:endParaRPr lang="en-US"/>
           </a:p>
@@ -1823,7 +1824,7 @@
           <a:p>
             <a:fld id="{2B5A14DD-52E5-4A07-9C50-A1D7FE039FE9}" type="datetimeFigureOut">
               <a:rPr lang="en-US" smtClean="0"/>
-              <a:t>9/26/2019</a:t>
+              <a:t>9/27/2019</a:t>
             </a:fld>
             <a:endParaRPr lang="en-US"/>
           </a:p>
@@ -1964,7 +1965,7 @@
           <a:p>
             <a:fld id="{2B5A14DD-52E5-4A07-9C50-A1D7FE039FE9}" type="datetimeFigureOut">
               <a:rPr lang="en-US" smtClean="0"/>
-              <a:t>9/26/2019</a:t>
+              <a:t>9/27/2019</a:t>
             </a:fld>
             <a:endParaRPr lang="en-US"/>
           </a:p>
@@ -2077,7 +2078,7 @@
           <a:p>
             <a:fld id="{2B5A14DD-52E5-4A07-9C50-A1D7FE039FE9}" type="datetimeFigureOut">
               <a:rPr lang="en-US" smtClean="0"/>
-              <a:t>9/26/2019</a:t>
+              <a:t>9/27/2019</a:t>
             </a:fld>
             <a:endParaRPr lang="en-US"/>
           </a:p>
@@ -2388,7 +2389,7 @@
           <a:p>
             <a:fld id="{2B5A14DD-52E5-4A07-9C50-A1D7FE039FE9}" type="datetimeFigureOut">
               <a:rPr lang="en-US" smtClean="0"/>
-              <a:t>9/26/2019</a:t>
+              <a:t>9/27/2019</a:t>
             </a:fld>
             <a:endParaRPr lang="en-US"/>
           </a:p>
@@ -2676,7 +2677,7 @@
           <a:p>
             <a:fld id="{2B5A14DD-52E5-4A07-9C50-A1D7FE039FE9}" type="datetimeFigureOut">
               <a:rPr lang="en-US" smtClean="0"/>
-              <a:t>9/26/2019</a:t>
+              <a:t>9/27/2019</a:t>
             </a:fld>
             <a:endParaRPr lang="en-US"/>
           </a:p>
@@ -2917,7 +2918,7 @@
           <a:p>
             <a:fld id="{2B5A14DD-52E5-4A07-9C50-A1D7FE039FE9}" type="datetimeFigureOut">
               <a:rPr lang="en-US" smtClean="0"/>
-              <a:t>9/26/2019</a:t>
+              <a:t>9/27/2019</a:t>
             </a:fld>
             <a:endParaRPr lang="en-US"/>
           </a:p>
@@ -3981,8 +3982,8 @@
         </p:nvSpPr>
         <p:spPr>
           <a:xfrm>
-            <a:off x="3874912" y="1105833"/>
-            <a:ext cx="948267" cy="475488"/>
+            <a:off x="4047335" y="1349444"/>
+            <a:ext cx="914400" cy="228600"/>
           </a:xfrm>
           <a:prstGeom prst="rect">
             <a:avLst/>
@@ -3995,7 +3996,7 @@
           </a:ln>
         </p:spPr>
         <p:txBody>
-          <a:bodyPr wrap="square" rtlCol="0">
+          <a:bodyPr wrap="square" rtlCol="0" anchor="ctr">
             <a:noAutofit/>
           </a:bodyPr>
           <a:lstStyle/>
@@ -4022,8 +4023,8 @@
         </p:nvSpPr>
         <p:spPr>
           <a:xfrm>
-            <a:off x="6397946" y="1105833"/>
-            <a:ext cx="948267" cy="475488"/>
+            <a:off x="6243875" y="1360397"/>
+            <a:ext cx="914400" cy="228600"/>
           </a:xfrm>
           <a:prstGeom prst="rect">
             <a:avLst/>
@@ -4036,7 +4037,7 @@
           </a:ln>
         </p:spPr>
         <p:txBody>
-          <a:bodyPr wrap="square" rtlCol="0">
+          <a:bodyPr wrap="square" rtlCol="0" anchor="ctr">
             <a:noAutofit/>
           </a:bodyPr>
           <a:lstStyle/>
@@ -4045,95 +4046,6 @@
             <a:r>
               <a:rPr lang="pt-BR" sz="1100" dirty="0"/>
               <a:t>Câmera</a:t>
-            </a:r>
-          </a:p>
-        </p:txBody>
-      </p:sp>
-      <p:sp>
-        <p:nvSpPr>
-          <p:cNvPr id="27" name="TextBox 26">
-            <a:extLst>
-              <a:ext uri="{FF2B5EF4-FFF2-40B4-BE49-F238E27FC236}">
-                <a16:creationId xmlns:a16="http://schemas.microsoft.com/office/drawing/2014/main" id="{A7AA7DA4-3366-4BF0-A060-A35D403EF61F}"/>
-              </a:ext>
-            </a:extLst>
-          </p:cNvPr>
-          <p:cNvSpPr txBox="1"/>
-          <p:nvPr/>
-        </p:nvSpPr>
-        <p:spPr>
-          <a:xfrm>
-            <a:off x="4645377" y="2304304"/>
-            <a:ext cx="1936045" cy="1369256"/>
-          </a:xfrm>
-          <a:prstGeom prst="rect">
-            <a:avLst/>
-          </a:prstGeom>
-          <a:noFill/>
-          <a:ln>
-            <a:solidFill>
-              <a:schemeClr val="tx1"/>
-            </a:solidFill>
-          </a:ln>
-        </p:spPr>
-        <p:txBody>
-          <a:bodyPr wrap="square" rtlCol="0">
-            <a:noAutofit/>
-          </a:bodyPr>
-          <a:lstStyle/>
-          <a:p>
-            <a:pPr algn="ctr"/>
-            <a:r>
-              <a:rPr lang="pt-BR" sz="1100" dirty="0"/>
-              <a:t>Plataforma</a:t>
-            </a:r>
-          </a:p>
-        </p:txBody>
-      </p:sp>
-      <p:sp>
-        <p:nvSpPr>
-          <p:cNvPr id="29" name="TextBox 28">
-            <a:extLst>
-              <a:ext uri="{FF2B5EF4-FFF2-40B4-BE49-F238E27FC236}">
-                <a16:creationId xmlns:a16="http://schemas.microsoft.com/office/drawing/2014/main" id="{52B3C39E-E14E-449A-8C90-1EDB5556A549}"/>
-              </a:ext>
-            </a:extLst>
-          </p:cNvPr>
-          <p:cNvSpPr txBox="1"/>
-          <p:nvPr/>
-        </p:nvSpPr>
-        <p:spPr>
-          <a:xfrm>
-            <a:off x="7419615" y="2304304"/>
-            <a:ext cx="1936045" cy="1369256"/>
-          </a:xfrm>
-          <a:prstGeom prst="rect">
-            <a:avLst/>
-          </a:prstGeom>
-          <a:noFill/>
-          <a:ln>
-            <a:solidFill>
-              <a:schemeClr val="tx1"/>
-            </a:solidFill>
-          </a:ln>
-        </p:spPr>
-        <p:txBody>
-          <a:bodyPr wrap="square" rtlCol="0">
-            <a:noAutofit/>
-          </a:bodyPr>
-          <a:lstStyle/>
-          <a:p>
-            <a:pPr algn="ctr"/>
-            <a:r>
-              <a:rPr lang="pt-BR" sz="1100" dirty="0"/>
-              <a:t>Controlador</a:t>
-            </a:r>
-          </a:p>
-          <a:p>
-            <a:pPr algn="ctr"/>
-            <a:r>
-              <a:rPr lang="pt-BR" sz="1100" dirty="0"/>
-              <a:t>ARP</a:t>
             </a:r>
           </a:p>
         </p:txBody>
@@ -4148,8 +4060,8 @@
             </a:extLst>
           </p:cNvPr>
           <p:cNvCxnSpPr>
+            <a:cxnSpLocks/>
             <a:stCxn id="14" idx="3"/>
-            <a:endCxn id="27" idx="1"/>
           </p:cNvCxnSpPr>
           <p:nvPr/>
         </p:nvCxnSpPr>
@@ -4192,8 +4104,8 @@
             </a:extLst>
           </p:cNvPr>
           <p:cNvCxnSpPr>
+            <a:cxnSpLocks/>
             <a:stCxn id="7" idx="3"/>
-            <a:endCxn id="27" idx="1"/>
           </p:cNvCxnSpPr>
           <p:nvPr/>
         </p:nvCxnSpPr>
@@ -4236,8 +4148,8 @@
             </a:extLst>
           </p:cNvPr>
           <p:cNvCxnSpPr>
+            <a:cxnSpLocks/>
             <a:stCxn id="18" idx="3"/>
-            <a:endCxn id="27" idx="1"/>
           </p:cNvCxnSpPr>
           <p:nvPr/>
         </p:nvCxnSpPr>
@@ -4280,15 +4192,16 @@
             </a:extLst>
           </p:cNvPr>
           <p:cNvCxnSpPr>
-            <a:stCxn id="27" idx="3"/>
+            <a:cxnSpLocks/>
+            <a:stCxn id="49" idx="2"/>
             <a:endCxn id="29" idx="1"/>
           </p:cNvCxnSpPr>
           <p:nvPr/>
         </p:nvCxnSpPr>
         <p:spPr>
-          <a:xfrm>
-            <a:off x="6581422" y="2988932"/>
-            <a:ext cx="838193" cy="0"/>
+          <a:xfrm flipV="1">
+            <a:off x="6577610" y="2977842"/>
+            <a:ext cx="1010210" cy="10128"/>
           </a:xfrm>
           <a:prstGeom prst="line">
             <a:avLst/>
@@ -4316,65 +4229,21 @@
       </p:cxnSp>
       <p:cxnSp>
         <p:nvCxnSpPr>
-          <p:cNvPr id="50" name="Connector: Elbow 49">
-            <a:extLst>
-              <a:ext uri="{FF2B5EF4-FFF2-40B4-BE49-F238E27FC236}">
-                <a16:creationId xmlns:a16="http://schemas.microsoft.com/office/drawing/2014/main" id="{78094ED6-8668-40E1-A524-70DB934C6AF2}"/>
+          <p:cNvPr id="56" name="Connector: Elbow 55">
+            <a:extLst>
+              <a:ext uri="{FF2B5EF4-FFF2-40B4-BE49-F238E27FC236}">
+                <a16:creationId xmlns:a16="http://schemas.microsoft.com/office/drawing/2014/main" id="{E356A1E1-E16B-4F1B-91C1-6CE9E0D46D9F}"/>
               </a:ext>
             </a:extLst>
           </p:cNvPr>
           <p:cNvCxnSpPr>
             <a:cxnSpLocks/>
-            <a:stCxn id="25" idx="2"/>
-          </p:cNvCxnSpPr>
-          <p:nvPr/>
-        </p:nvCxnSpPr>
-        <p:spPr>
-          <a:xfrm rot="16200000" flipH="1">
-            <a:off x="4312110" y="1618257"/>
-            <a:ext cx="722983" cy="649110"/>
-          </a:xfrm>
-          <a:prstGeom prst="bentConnector3">
-            <a:avLst/>
-          </a:prstGeom>
-          <a:ln w="19050">
-            <a:solidFill>
-              <a:schemeClr val="tx1"/>
-            </a:solidFill>
-          </a:ln>
-        </p:spPr>
-        <p:style>
-          <a:lnRef idx="1">
-            <a:schemeClr val="accent1"/>
-          </a:lnRef>
-          <a:fillRef idx="0">
-            <a:schemeClr val="accent1"/>
-          </a:fillRef>
-          <a:effectRef idx="0">
-            <a:schemeClr val="accent1"/>
-          </a:effectRef>
-          <a:fontRef idx="minor">
-            <a:schemeClr val="tx1"/>
-          </a:fontRef>
-        </p:style>
-      </p:cxnSp>
-      <p:cxnSp>
-        <p:nvCxnSpPr>
-          <p:cNvPr id="56" name="Connector: Elbow 55">
-            <a:extLst>
-              <a:ext uri="{FF2B5EF4-FFF2-40B4-BE49-F238E27FC236}">
-                <a16:creationId xmlns:a16="http://schemas.microsoft.com/office/drawing/2014/main" id="{E356A1E1-E16B-4F1B-91C1-6CE9E0D46D9F}"/>
-              </a:ext>
-            </a:extLst>
-          </p:cNvPr>
-          <p:cNvCxnSpPr>
-            <a:stCxn id="26" idx="2"/>
           </p:cNvCxnSpPr>
           <p:nvPr/>
         </p:nvCxnSpPr>
         <p:spPr>
           <a:xfrm rot="5400000">
-            <a:off x="6201558" y="1628137"/>
+            <a:off x="6036482" y="1643942"/>
             <a:ext cx="717338" cy="623707"/>
           </a:xfrm>
           <a:prstGeom prst="bentConnector3">
@@ -4401,12 +4270,116 @@
           </a:fontRef>
         </p:style>
       </p:cxnSp>
-      <p:sp>
-        <p:nvSpPr>
-          <p:cNvPr id="28" name="TextBox 27">
-            <a:extLst>
-              <a:ext uri="{FF2B5EF4-FFF2-40B4-BE49-F238E27FC236}">
-                <a16:creationId xmlns:a16="http://schemas.microsoft.com/office/drawing/2014/main" id="{D04DA8AE-F15B-4BF0-A8A8-6EAFFC21A55C}"/>
+      <p:grpSp>
+        <p:nvGrpSpPr>
+          <p:cNvPr id="76" name="Group 75">
+            <a:extLst>
+              <a:ext uri="{FF2B5EF4-FFF2-40B4-BE49-F238E27FC236}">
+                <a16:creationId xmlns:a16="http://schemas.microsoft.com/office/drawing/2014/main" id="{40BC70D7-74D8-4508-B132-521C8F2FF221}"/>
+              </a:ext>
+            </a:extLst>
+          </p:cNvPr>
+          <p:cNvGrpSpPr/>
+          <p:nvPr/>
+        </p:nvGrpSpPr>
+        <p:grpSpPr>
+          <a:xfrm>
+            <a:off x="7587820" y="2293214"/>
+            <a:ext cx="1936045" cy="1369256"/>
+            <a:chOff x="8187260" y="2293214"/>
+            <a:chExt cx="1936045" cy="1369256"/>
+          </a:xfrm>
+        </p:grpSpPr>
+        <p:sp>
+          <p:nvSpPr>
+            <p:cNvPr id="29" name="TextBox 28">
+              <a:extLst>
+                <a:ext uri="{FF2B5EF4-FFF2-40B4-BE49-F238E27FC236}">
+                  <a16:creationId xmlns:a16="http://schemas.microsoft.com/office/drawing/2014/main" id="{52B3C39E-E14E-449A-8C90-1EDB5556A549}"/>
+                </a:ext>
+              </a:extLst>
+            </p:cNvPr>
+            <p:cNvSpPr txBox="1"/>
+            <p:nvPr/>
+          </p:nvSpPr>
+          <p:spPr>
+            <a:xfrm>
+              <a:off x="8187260" y="2293214"/>
+              <a:ext cx="1936045" cy="1369256"/>
+            </a:xfrm>
+            <a:prstGeom prst="rect">
+              <a:avLst/>
+            </a:prstGeom>
+            <a:noFill/>
+            <a:ln>
+              <a:solidFill>
+                <a:schemeClr val="tx1"/>
+              </a:solidFill>
+              <a:prstDash val="dash"/>
+            </a:ln>
+          </p:spPr>
+          <p:txBody>
+            <a:bodyPr wrap="square" rtlCol="0">
+              <a:noAutofit/>
+            </a:bodyPr>
+            <a:lstStyle/>
+            <a:p>
+              <a:pPr algn="ctr"/>
+              <a:r>
+                <a:rPr lang="pt-BR" dirty="0"/>
+                <a:t>UAV</a:t>
+              </a:r>
+            </a:p>
+          </p:txBody>
+        </p:sp>
+        <p:sp>
+          <p:nvSpPr>
+            <p:cNvPr id="28" name="TextBox 27">
+              <a:extLst>
+                <a:ext uri="{FF2B5EF4-FFF2-40B4-BE49-F238E27FC236}">
+                  <a16:creationId xmlns:a16="http://schemas.microsoft.com/office/drawing/2014/main" id="{D04DA8AE-F15B-4BF0-A8A8-6EAFFC21A55C}"/>
+                </a:ext>
+              </a:extLst>
+            </p:cNvPr>
+            <p:cNvSpPr txBox="1"/>
+            <p:nvPr/>
+          </p:nvSpPr>
+          <p:spPr>
+            <a:xfrm>
+              <a:off x="9155282" y="3314700"/>
+              <a:ext cx="914400" cy="228600"/>
+            </a:xfrm>
+            <a:prstGeom prst="rect">
+              <a:avLst/>
+            </a:prstGeom>
+            <a:noFill/>
+            <a:ln>
+              <a:solidFill>
+                <a:schemeClr val="tx1"/>
+              </a:solidFill>
+            </a:ln>
+          </p:spPr>
+          <p:txBody>
+            <a:bodyPr wrap="square" rtlCol="0" anchor="ctr">
+              <a:noAutofit/>
+            </a:bodyPr>
+            <a:lstStyle/>
+            <a:p>
+              <a:pPr algn="ctr"/>
+              <a:r>
+                <a:rPr lang="pt-BR" sz="1100" dirty="0"/>
+                <a:t>Radio</a:t>
+              </a:r>
+            </a:p>
+          </p:txBody>
+        </p:sp>
+      </p:grpSp>
+      <p:sp>
+        <p:nvSpPr>
+          <p:cNvPr id="32" name="TextBox 31">
+            <a:extLst>
+              <a:ext uri="{FF2B5EF4-FFF2-40B4-BE49-F238E27FC236}">
+                <a16:creationId xmlns:a16="http://schemas.microsoft.com/office/drawing/2014/main" id="{D6D76487-7971-445E-A2F4-987926DB1107}"/>
               </a:ext>
             </a:extLst>
           </p:cNvPr>
@@ -4415,8 +4388,8 @@
         </p:nvSpPr>
         <p:spPr>
           <a:xfrm>
-            <a:off x="5136429" y="1105833"/>
-            <a:ext cx="948267" cy="475488"/>
+            <a:off x="5144346" y="4069167"/>
+            <a:ext cx="914400" cy="228600"/>
           </a:xfrm>
           <a:prstGeom prst="rect">
             <a:avLst/>
@@ -4429,7 +4402,7 @@
           </a:ln>
         </p:spPr>
         <p:txBody>
-          <a:bodyPr wrap="square" rtlCol="0">
+          <a:bodyPr wrap="square" rtlCol="0" anchor="ctr">
             <a:noAutofit/>
           </a:bodyPr>
           <a:lstStyle/>
@@ -4437,30 +4410,82 @@
             <a:pPr algn="ctr"/>
             <a:r>
               <a:rPr lang="pt-BR" sz="1100" dirty="0"/>
-              <a:t>Radio</a:t>
+              <a:t>SD Card</a:t>
             </a:r>
           </a:p>
         </p:txBody>
       </p:sp>
       <p:cxnSp>
         <p:nvCxnSpPr>
-          <p:cNvPr id="3" name="Straight Connector 2">
-            <a:extLst>
-              <a:ext uri="{FF2B5EF4-FFF2-40B4-BE49-F238E27FC236}">
-                <a16:creationId xmlns:a16="http://schemas.microsoft.com/office/drawing/2014/main" id="{788EA2F8-A231-415D-B0AB-D5CA9974E8FD}"/>
+          <p:cNvPr id="43" name="Connector: Elbow 42">
+            <a:extLst>
+              <a:ext uri="{FF2B5EF4-FFF2-40B4-BE49-F238E27FC236}">
+                <a16:creationId xmlns:a16="http://schemas.microsoft.com/office/drawing/2014/main" id="{7234B2D8-6288-4060-97A8-68701003ACFF}"/>
               </a:ext>
             </a:extLst>
           </p:cNvPr>
           <p:cNvCxnSpPr>
-            <a:stCxn id="28" idx="2"/>
-            <a:endCxn id="27" idx="0"/>
+            <a:cxnSpLocks/>
           </p:cNvCxnSpPr>
           <p:nvPr/>
         </p:nvCxnSpPr>
         <p:spPr>
-          <a:xfrm>
-            <a:off x="5610563" y="1581321"/>
-            <a:ext cx="2837" cy="722983"/>
+          <a:xfrm rot="5400000">
+            <a:off x="4466618" y="1633783"/>
+            <a:ext cx="717338" cy="623707"/>
+          </a:xfrm>
+          <a:prstGeom prst="bentConnector3">
+            <a:avLst>
+              <a:gd name="adj1" fmla="val 49998"/>
+            </a:avLst>
+          </a:prstGeom>
+          <a:ln w="19050">
+            <a:solidFill>
+              <a:schemeClr val="tx1"/>
+            </a:solidFill>
+          </a:ln>
+          <a:scene3d>
+            <a:camera prst="orthographicFront">
+              <a:rot lat="0" lon="10800000" rev="0"/>
+            </a:camera>
+            <a:lightRig rig="threePt" dir="t"/>
+          </a:scene3d>
+        </p:spPr>
+        <p:style>
+          <a:lnRef idx="1">
+            <a:schemeClr val="accent1"/>
+          </a:lnRef>
+          <a:fillRef idx="0">
+            <a:schemeClr val="accent1"/>
+          </a:fillRef>
+          <a:effectRef idx="0">
+            <a:schemeClr val="accent1"/>
+          </a:effectRef>
+          <a:fontRef idx="minor">
+            <a:schemeClr val="tx1"/>
+          </a:fontRef>
+        </p:style>
+      </p:cxnSp>
+      <p:cxnSp>
+        <p:nvCxnSpPr>
+          <p:cNvPr id="44" name="Straight Connector 43">
+            <a:extLst>
+              <a:ext uri="{FF2B5EF4-FFF2-40B4-BE49-F238E27FC236}">
+                <a16:creationId xmlns:a16="http://schemas.microsoft.com/office/drawing/2014/main" id="{F0EDD250-78D7-41D0-AA41-2F65FDC5A33B}"/>
+              </a:ext>
+            </a:extLst>
+          </p:cNvPr>
+          <p:cNvCxnSpPr>
+            <a:cxnSpLocks/>
+            <a:stCxn id="49" idx="4"/>
+            <a:endCxn id="32" idx="0"/>
+          </p:cNvCxnSpPr>
+          <p:nvPr/>
+        </p:nvCxnSpPr>
+        <p:spPr>
+          <a:xfrm flipH="1">
+            <a:off x="5601546" y="3662469"/>
+            <a:ext cx="4234" cy="406698"/>
           </a:xfrm>
           <a:prstGeom prst="line">
             <a:avLst/>
@@ -4486,10 +4511,919 @@
           </a:fontRef>
         </p:style>
       </p:cxnSp>
+      <p:sp>
+        <p:nvSpPr>
+          <p:cNvPr id="45" name="Rectangle 44">
+            <a:extLst>
+              <a:ext uri="{FF2B5EF4-FFF2-40B4-BE49-F238E27FC236}">
+                <a16:creationId xmlns:a16="http://schemas.microsoft.com/office/drawing/2014/main" id="{5ECA97FE-3864-4598-B497-2A4B43DE928F}"/>
+              </a:ext>
+            </a:extLst>
+          </p:cNvPr>
+          <p:cNvSpPr/>
+          <p:nvPr/>
+        </p:nvSpPr>
+        <p:spPr>
+          <a:xfrm>
+            <a:off x="528320" y="777240"/>
+            <a:ext cx="9357360" cy="4033520"/>
+          </a:xfrm>
+          <a:prstGeom prst="rect">
+            <a:avLst/>
+          </a:prstGeom>
+          <a:noFill/>
+          <a:ln>
+            <a:solidFill>
+              <a:schemeClr val="tx1"/>
+            </a:solidFill>
+            <a:prstDash val="dash"/>
+          </a:ln>
+        </p:spPr>
+        <p:style>
+          <a:lnRef idx="2">
+            <a:schemeClr val="accent1">
+              <a:shade val="50000"/>
+            </a:schemeClr>
+          </a:lnRef>
+          <a:fillRef idx="1">
+            <a:schemeClr val="accent1"/>
+          </a:fillRef>
+          <a:effectRef idx="0">
+            <a:schemeClr val="accent1"/>
+          </a:effectRef>
+          <a:fontRef idx="minor">
+            <a:schemeClr val="lt1"/>
+          </a:fontRef>
+        </p:style>
+        <p:txBody>
+          <a:bodyPr rtlCol="0" anchor="ctr"/>
+          <a:lstStyle/>
+          <a:p>
+            <a:pPr algn="ctr"/>
+            <a:endParaRPr lang="en-US"/>
+          </a:p>
+        </p:txBody>
+      </p:sp>
+      <p:sp>
+        <p:nvSpPr>
+          <p:cNvPr id="47" name="TextBox 46">
+            <a:extLst>
+              <a:ext uri="{FF2B5EF4-FFF2-40B4-BE49-F238E27FC236}">
+                <a16:creationId xmlns:a16="http://schemas.microsoft.com/office/drawing/2014/main" id="{362CB846-4260-4C4C-82AF-88B44F0EC03D}"/>
+              </a:ext>
+            </a:extLst>
+          </p:cNvPr>
+          <p:cNvSpPr txBox="1"/>
+          <p:nvPr/>
+        </p:nvSpPr>
+        <p:spPr>
+          <a:xfrm>
+            <a:off x="604520" y="858520"/>
+            <a:ext cx="1988374" cy="369332"/>
+          </a:xfrm>
+          <a:prstGeom prst="rect">
+            <a:avLst/>
+          </a:prstGeom>
+          <a:noFill/>
+        </p:spPr>
+        <p:txBody>
+          <a:bodyPr wrap="square" rtlCol="0">
+            <a:spAutoFit/>
+          </a:bodyPr>
+          <a:lstStyle/>
+          <a:p>
+            <a:r>
+              <a:rPr lang="en-US" dirty="0"/>
+              <a:t>UAV Gimbal</a:t>
+            </a:r>
+          </a:p>
+        </p:txBody>
+      </p:sp>
+      <p:grpSp>
+        <p:nvGrpSpPr>
+          <p:cNvPr id="80" name="Group 79">
+            <a:extLst>
+              <a:ext uri="{FF2B5EF4-FFF2-40B4-BE49-F238E27FC236}">
+                <a16:creationId xmlns:a16="http://schemas.microsoft.com/office/drawing/2014/main" id="{F6946E8E-4D7E-4954-9722-7EF221B252FB}"/>
+              </a:ext>
+            </a:extLst>
+          </p:cNvPr>
+          <p:cNvGrpSpPr/>
+          <p:nvPr/>
+        </p:nvGrpSpPr>
+        <p:grpSpPr>
+          <a:xfrm>
+            <a:off x="4465324" y="2313471"/>
+            <a:ext cx="2280911" cy="1348998"/>
+            <a:chOff x="4465324" y="2313471"/>
+            <a:chExt cx="2280911" cy="1348998"/>
+          </a:xfrm>
+        </p:grpSpPr>
+        <p:sp>
+          <p:nvSpPr>
+            <p:cNvPr id="49" name="Parallelogram 48">
+              <a:extLst>
+                <a:ext uri="{FF2B5EF4-FFF2-40B4-BE49-F238E27FC236}">
+                  <a16:creationId xmlns:a16="http://schemas.microsoft.com/office/drawing/2014/main" id="{D94E6E50-41C5-442D-A93E-C274D1B5ABAB}"/>
+                </a:ext>
+              </a:extLst>
+            </p:cNvPr>
+            <p:cNvSpPr/>
+            <p:nvPr/>
+          </p:nvSpPr>
+          <p:spPr>
+            <a:xfrm>
+              <a:off x="4465324" y="2313471"/>
+              <a:ext cx="2280911" cy="1348998"/>
+            </a:xfrm>
+            <a:prstGeom prst="parallelogram">
+              <a:avLst/>
+            </a:prstGeom>
+            <a:noFill/>
+            <a:ln>
+              <a:solidFill>
+                <a:schemeClr val="tx1"/>
+              </a:solidFill>
+            </a:ln>
+          </p:spPr>
+          <p:style>
+            <a:lnRef idx="2">
+              <a:schemeClr val="accent1">
+                <a:shade val="50000"/>
+              </a:schemeClr>
+            </a:lnRef>
+            <a:fillRef idx="1">
+              <a:schemeClr val="accent1"/>
+            </a:fillRef>
+            <a:effectRef idx="0">
+              <a:schemeClr val="accent1"/>
+            </a:effectRef>
+            <a:fontRef idx="minor">
+              <a:schemeClr val="lt1"/>
+            </a:fontRef>
+          </p:style>
+          <p:txBody>
+            <a:bodyPr rtlCol="0" anchor="ctr"/>
+            <a:lstStyle/>
+            <a:p>
+              <a:pPr algn="ctr"/>
+              <a:endParaRPr lang="en-US"/>
+            </a:p>
+          </p:txBody>
+        </p:sp>
+        <p:sp>
+          <p:nvSpPr>
+            <p:cNvPr id="58" name="TextBox 57">
+              <a:extLst>
+                <a:ext uri="{FF2B5EF4-FFF2-40B4-BE49-F238E27FC236}">
+                  <a16:creationId xmlns:a16="http://schemas.microsoft.com/office/drawing/2014/main" id="{0CA3F1BD-8523-4C70-AD54-CAC68374707C}"/>
+                </a:ext>
+              </a:extLst>
+            </p:cNvPr>
+            <p:cNvSpPr txBox="1"/>
+            <p:nvPr/>
+          </p:nvSpPr>
+          <p:spPr>
+            <a:xfrm>
+              <a:off x="5228431" y="2748000"/>
+              <a:ext cx="769938" cy="366029"/>
+            </a:xfrm>
+            <a:prstGeom prst="rect">
+              <a:avLst/>
+            </a:prstGeom>
+            <a:noFill/>
+            <a:ln>
+              <a:noFill/>
+            </a:ln>
+          </p:spPr>
+          <p:txBody>
+            <a:bodyPr wrap="square" rtlCol="0" anchor="ctr">
+              <a:noAutofit/>
+            </a:bodyPr>
+            <a:lstStyle/>
+            <a:p>
+              <a:pPr algn="ctr"/>
+              <a:r>
+                <a:rPr lang="pt-BR" sz="1100" dirty="0"/>
+                <a:t>Gimbal Control</a:t>
+              </a:r>
+            </a:p>
+          </p:txBody>
+        </p:sp>
+      </p:grpSp>
+      <p:grpSp>
+        <p:nvGrpSpPr>
+          <p:cNvPr id="79" name="Group 78">
+            <a:extLst>
+              <a:ext uri="{FF2B5EF4-FFF2-40B4-BE49-F238E27FC236}">
+                <a16:creationId xmlns:a16="http://schemas.microsoft.com/office/drawing/2014/main" id="{F529BCA3-D678-4A8C-BF10-7E3B5AF938A0}"/>
+              </a:ext>
+            </a:extLst>
+          </p:cNvPr>
+          <p:cNvGrpSpPr/>
+          <p:nvPr/>
+        </p:nvGrpSpPr>
+        <p:grpSpPr>
+          <a:xfrm>
+            <a:off x="3421658" y="3991681"/>
+            <a:ext cx="1343377" cy="666679"/>
+            <a:chOff x="3421658" y="3991681"/>
+            <a:chExt cx="1343377" cy="666679"/>
+          </a:xfrm>
+        </p:grpSpPr>
+        <p:sp>
+          <p:nvSpPr>
+            <p:cNvPr id="70" name="Cube 69">
+              <a:extLst>
+                <a:ext uri="{FF2B5EF4-FFF2-40B4-BE49-F238E27FC236}">
+                  <a16:creationId xmlns:a16="http://schemas.microsoft.com/office/drawing/2014/main" id="{95785E77-EAF3-4760-8158-65C4213BE489}"/>
+                </a:ext>
+              </a:extLst>
+            </p:cNvPr>
+            <p:cNvSpPr/>
+            <p:nvPr/>
+          </p:nvSpPr>
+          <p:spPr>
+            <a:xfrm>
+              <a:off x="3421658" y="3991681"/>
+              <a:ext cx="1343377" cy="666679"/>
+            </a:xfrm>
+            <a:prstGeom prst="cube">
+              <a:avLst/>
+            </a:prstGeom>
+            <a:noFill/>
+            <a:ln>
+              <a:solidFill>
+                <a:schemeClr val="tx1"/>
+              </a:solidFill>
+            </a:ln>
+          </p:spPr>
+          <p:style>
+            <a:lnRef idx="2">
+              <a:schemeClr val="accent1">
+                <a:shade val="50000"/>
+              </a:schemeClr>
+            </a:lnRef>
+            <a:fillRef idx="1">
+              <a:schemeClr val="accent1"/>
+            </a:fillRef>
+            <a:effectRef idx="0">
+              <a:schemeClr val="accent1"/>
+            </a:effectRef>
+            <a:fontRef idx="minor">
+              <a:schemeClr val="lt1"/>
+            </a:fontRef>
+          </p:style>
+          <p:txBody>
+            <a:bodyPr rtlCol="0" anchor="ctr"/>
+            <a:lstStyle/>
+            <a:p>
+              <a:pPr algn="ctr"/>
+              <a:endParaRPr lang="en-US"/>
+            </a:p>
+          </p:txBody>
+        </p:sp>
+        <p:sp>
+          <p:nvSpPr>
+            <p:cNvPr id="73" name="TextBox 72">
+              <a:extLst>
+                <a:ext uri="{FF2B5EF4-FFF2-40B4-BE49-F238E27FC236}">
+                  <a16:creationId xmlns:a16="http://schemas.microsoft.com/office/drawing/2014/main" id="{10DE4E3F-E56D-4F8A-B7A0-1133699778B3}"/>
+                </a:ext>
+              </a:extLst>
+            </p:cNvPr>
+            <p:cNvSpPr txBox="1"/>
+            <p:nvPr/>
+          </p:nvSpPr>
+          <p:spPr>
+            <a:xfrm>
+              <a:off x="3561080" y="4287591"/>
+              <a:ext cx="914400" cy="228600"/>
+            </a:xfrm>
+            <a:prstGeom prst="rect">
+              <a:avLst/>
+            </a:prstGeom>
+            <a:noFill/>
+            <a:ln>
+              <a:noFill/>
+            </a:ln>
+          </p:spPr>
+          <p:txBody>
+            <a:bodyPr wrap="square" rtlCol="0" anchor="ctr">
+              <a:noAutofit/>
+            </a:bodyPr>
+            <a:lstStyle/>
+            <a:p>
+              <a:pPr algn="ctr"/>
+              <a:r>
+                <a:rPr lang="pt-BR" sz="1100" dirty="0"/>
+                <a:t>Processor</a:t>
+              </a:r>
+            </a:p>
+          </p:txBody>
+        </p:sp>
+      </p:grpSp>
+      <p:grpSp>
+        <p:nvGrpSpPr>
+          <p:cNvPr id="78" name="Group 77">
+            <a:extLst>
+              <a:ext uri="{FF2B5EF4-FFF2-40B4-BE49-F238E27FC236}">
+                <a16:creationId xmlns:a16="http://schemas.microsoft.com/office/drawing/2014/main" id="{912B3F09-6C10-47F3-B963-1820CB0F2301}"/>
+              </a:ext>
+            </a:extLst>
+          </p:cNvPr>
+          <p:cNvGrpSpPr/>
+          <p:nvPr/>
+        </p:nvGrpSpPr>
+        <p:grpSpPr>
+          <a:xfrm>
+            <a:off x="1752601" y="4151498"/>
+            <a:ext cx="1289746" cy="473185"/>
+            <a:chOff x="1752601" y="4151498"/>
+            <a:chExt cx="1289746" cy="473185"/>
+          </a:xfrm>
+        </p:grpSpPr>
+        <p:sp>
+          <p:nvSpPr>
+            <p:cNvPr id="74" name="Arrow: Left-Right 73">
+              <a:extLst>
+                <a:ext uri="{FF2B5EF4-FFF2-40B4-BE49-F238E27FC236}">
+                  <a16:creationId xmlns:a16="http://schemas.microsoft.com/office/drawing/2014/main" id="{413D3C12-866F-41EF-B5D0-20D93C07A951}"/>
+                </a:ext>
+              </a:extLst>
+            </p:cNvPr>
+            <p:cNvSpPr/>
+            <p:nvPr/>
+          </p:nvSpPr>
+          <p:spPr>
+            <a:xfrm>
+              <a:off x="1752601" y="4151498"/>
+              <a:ext cx="1289746" cy="473185"/>
+            </a:xfrm>
+            <a:prstGeom prst="leftRightArrow">
+              <a:avLst/>
+            </a:prstGeom>
+            <a:noFill/>
+            <a:ln>
+              <a:solidFill>
+                <a:schemeClr val="tx1"/>
+              </a:solidFill>
+            </a:ln>
+          </p:spPr>
+          <p:style>
+            <a:lnRef idx="2">
+              <a:schemeClr val="accent1">
+                <a:shade val="50000"/>
+              </a:schemeClr>
+            </a:lnRef>
+            <a:fillRef idx="1">
+              <a:schemeClr val="accent1"/>
+            </a:fillRef>
+            <a:effectRef idx="0">
+              <a:schemeClr val="accent1"/>
+            </a:effectRef>
+            <a:fontRef idx="minor">
+              <a:schemeClr val="lt1"/>
+            </a:fontRef>
+          </p:style>
+          <p:txBody>
+            <a:bodyPr rtlCol="0" anchor="ctr"/>
+            <a:lstStyle/>
+            <a:p>
+              <a:pPr algn="ctr"/>
+              <a:endParaRPr lang="en-US"/>
+            </a:p>
+          </p:txBody>
+        </p:sp>
+        <p:sp>
+          <p:nvSpPr>
+            <p:cNvPr id="75" name="TextBox 74">
+              <a:extLst>
+                <a:ext uri="{FF2B5EF4-FFF2-40B4-BE49-F238E27FC236}">
+                  <a16:creationId xmlns:a16="http://schemas.microsoft.com/office/drawing/2014/main" id="{2413A615-32B8-4120-85C3-21499749AD67}"/>
+                </a:ext>
+              </a:extLst>
+            </p:cNvPr>
+            <p:cNvSpPr txBox="1"/>
+            <p:nvPr/>
+          </p:nvSpPr>
+          <p:spPr>
+            <a:xfrm>
+              <a:off x="1940560" y="4267271"/>
+              <a:ext cx="914400" cy="228600"/>
+            </a:xfrm>
+            <a:prstGeom prst="rect">
+              <a:avLst/>
+            </a:prstGeom>
+            <a:noFill/>
+            <a:ln>
+              <a:noFill/>
+            </a:ln>
+          </p:spPr>
+          <p:txBody>
+            <a:bodyPr wrap="square" rtlCol="0" anchor="ctr">
+              <a:noAutofit/>
+            </a:bodyPr>
+            <a:lstStyle/>
+            <a:p>
+              <a:pPr algn="ctr"/>
+              <a:r>
+                <a:rPr lang="pt-BR" sz="1100" dirty="0"/>
+                <a:t>Bus Memory</a:t>
+              </a:r>
+            </a:p>
+          </p:txBody>
+        </p:sp>
+      </p:grpSp>
     </p:spTree>
     <p:extLst>
       <p:ext uri="{BB962C8B-B14F-4D97-AF65-F5344CB8AC3E}">
         <p14:creationId xmlns:p14="http://schemas.microsoft.com/office/powerpoint/2010/main" val="2157991286"/>
+      </p:ext>
+    </p:extLst>
+  </p:cSld>
+  <p:clrMapOvr>
+    <a:masterClrMapping/>
+  </p:clrMapOvr>
+</p:sld>
+</file>
+
+<file path=ppt/slides/slide2.xml><?xml version="1.0" encoding="utf-8"?>
+<p:sld xmlns:a="http://schemas.openxmlformats.org/drawingml/2006/main" xmlns:r="http://schemas.openxmlformats.org/officeDocument/2006/relationships" xmlns:p="http://schemas.openxmlformats.org/presentationml/2006/main">
+  <p:cSld>
+    <p:spTree>
+      <p:nvGrpSpPr>
+        <p:cNvPr id="1" name=""/>
+        <p:cNvGrpSpPr/>
+        <p:nvPr/>
+      </p:nvGrpSpPr>
+      <p:grpSpPr>
+        <a:xfrm>
+          <a:off x="0" y="0"/>
+          <a:ext cx="0" cy="0"/>
+          <a:chOff x="0" y="0"/>
+          <a:chExt cx="0" cy="0"/>
+        </a:xfrm>
+      </p:grpSpPr>
+      <p:sp>
+        <p:nvSpPr>
+          <p:cNvPr id="3" name="Parallelogram 2">
+            <a:extLst>
+              <a:ext uri="{FF2B5EF4-FFF2-40B4-BE49-F238E27FC236}">
+                <a16:creationId xmlns:a16="http://schemas.microsoft.com/office/drawing/2014/main" id="{7A28F2FC-DF99-450D-856D-7BED924AA136}"/>
+              </a:ext>
+            </a:extLst>
+          </p:cNvPr>
+          <p:cNvSpPr/>
+          <p:nvPr/>
+        </p:nvSpPr>
+        <p:spPr>
+          <a:xfrm>
+            <a:off x="1193804" y="1282230"/>
+            <a:ext cx="4714236" cy="3355809"/>
+          </a:xfrm>
+          <a:prstGeom prst="parallelogram">
+            <a:avLst/>
+          </a:prstGeom>
+          <a:noFill/>
+          <a:ln>
+            <a:solidFill>
+              <a:schemeClr val="tx1"/>
+            </a:solidFill>
+          </a:ln>
+        </p:spPr>
+        <p:style>
+          <a:lnRef idx="2">
+            <a:schemeClr val="accent1">
+              <a:shade val="50000"/>
+            </a:schemeClr>
+          </a:lnRef>
+          <a:fillRef idx="1">
+            <a:schemeClr val="accent1"/>
+          </a:fillRef>
+          <a:effectRef idx="0">
+            <a:schemeClr val="accent1"/>
+          </a:effectRef>
+          <a:fontRef idx="minor">
+            <a:schemeClr val="lt1"/>
+          </a:fontRef>
+        </p:style>
+        <p:txBody>
+          <a:bodyPr rtlCol="0" anchor="ctr"/>
+          <a:lstStyle/>
+          <a:p>
+            <a:pPr algn="ctr"/>
+            <a:endParaRPr lang="en-US"/>
+          </a:p>
+        </p:txBody>
+      </p:sp>
+      <p:sp>
+        <p:nvSpPr>
+          <p:cNvPr id="4" name="TextBox 3">
+            <a:extLst>
+              <a:ext uri="{FF2B5EF4-FFF2-40B4-BE49-F238E27FC236}">
+                <a16:creationId xmlns:a16="http://schemas.microsoft.com/office/drawing/2014/main" id="{1C1A63B7-315D-4F8A-B3C2-4CAF56DCCD84}"/>
+              </a:ext>
+            </a:extLst>
+          </p:cNvPr>
+          <p:cNvSpPr txBox="1"/>
+          <p:nvPr/>
+        </p:nvSpPr>
+        <p:spPr>
+          <a:xfrm>
+            <a:off x="2054542" y="1386560"/>
+            <a:ext cx="1059498" cy="366029"/>
+          </a:xfrm>
+          <a:prstGeom prst="rect">
+            <a:avLst/>
+          </a:prstGeom>
+          <a:noFill/>
+          <a:ln>
+            <a:noFill/>
+          </a:ln>
+        </p:spPr>
+        <p:txBody>
+          <a:bodyPr wrap="square" rtlCol="0" anchor="ctr">
+            <a:noAutofit/>
+          </a:bodyPr>
+          <a:lstStyle/>
+          <a:p>
+            <a:pPr algn="ctr"/>
+            <a:r>
+              <a:rPr lang="pt-BR" sz="1100" dirty="0"/>
+              <a:t>Gimbal Control</a:t>
+            </a:r>
+          </a:p>
+        </p:txBody>
+      </p:sp>
+      <p:sp>
+        <p:nvSpPr>
+          <p:cNvPr id="5" name="Parallelogram 4">
+            <a:extLst>
+              <a:ext uri="{FF2B5EF4-FFF2-40B4-BE49-F238E27FC236}">
+                <a16:creationId xmlns:a16="http://schemas.microsoft.com/office/drawing/2014/main" id="{D0CDB014-CC5D-4A37-B7DB-ED6C1CF843EB}"/>
+              </a:ext>
+            </a:extLst>
+          </p:cNvPr>
+          <p:cNvSpPr/>
+          <p:nvPr/>
+        </p:nvSpPr>
+        <p:spPr>
+          <a:xfrm>
+            <a:off x="1561782" y="3144789"/>
+            <a:ext cx="1323658" cy="939800"/>
+          </a:xfrm>
+          <a:prstGeom prst="parallelogram">
+            <a:avLst/>
+          </a:prstGeom>
+          <a:noFill/>
+          <a:ln>
+            <a:solidFill>
+              <a:schemeClr val="tx1"/>
+            </a:solidFill>
+          </a:ln>
+        </p:spPr>
+        <p:style>
+          <a:lnRef idx="2">
+            <a:schemeClr val="accent1">
+              <a:shade val="50000"/>
+            </a:schemeClr>
+          </a:lnRef>
+          <a:fillRef idx="1">
+            <a:schemeClr val="accent1"/>
+          </a:fillRef>
+          <a:effectRef idx="0">
+            <a:schemeClr val="accent1"/>
+          </a:effectRef>
+          <a:fontRef idx="minor">
+            <a:schemeClr val="lt1"/>
+          </a:fontRef>
+        </p:style>
+        <p:txBody>
+          <a:bodyPr rtlCol="0" anchor="ctr"/>
+          <a:lstStyle/>
+          <a:p>
+            <a:pPr algn="ctr"/>
+            <a:endParaRPr lang="en-US"/>
+          </a:p>
+        </p:txBody>
+      </p:sp>
+      <p:sp>
+        <p:nvSpPr>
+          <p:cNvPr id="10" name="TextBox 9">
+            <a:extLst>
+              <a:ext uri="{FF2B5EF4-FFF2-40B4-BE49-F238E27FC236}">
+                <a16:creationId xmlns:a16="http://schemas.microsoft.com/office/drawing/2014/main" id="{F64BA6C3-3C7D-49C0-8F0F-18A7B17752B3}"/>
+              </a:ext>
+            </a:extLst>
+          </p:cNvPr>
+          <p:cNvSpPr txBox="1"/>
+          <p:nvPr/>
+        </p:nvSpPr>
+        <p:spPr>
+          <a:xfrm>
+            <a:off x="1766411" y="3500389"/>
+            <a:ext cx="914400" cy="228600"/>
+          </a:xfrm>
+          <a:prstGeom prst="rect">
+            <a:avLst/>
+          </a:prstGeom>
+          <a:noFill/>
+          <a:ln>
+            <a:noFill/>
+          </a:ln>
+        </p:spPr>
+        <p:txBody>
+          <a:bodyPr wrap="square" rtlCol="0" anchor="ctr">
+            <a:noAutofit/>
+          </a:bodyPr>
+          <a:lstStyle/>
+          <a:p>
+            <a:pPr algn="ctr"/>
+            <a:r>
+              <a:rPr lang="pt-BR" sz="1100" dirty="0"/>
+              <a:t>Thread</a:t>
+            </a:r>
+          </a:p>
+        </p:txBody>
+      </p:sp>
+      <p:sp>
+        <p:nvSpPr>
+          <p:cNvPr id="11" name="Parallelogram 10">
+            <a:extLst>
+              <a:ext uri="{FF2B5EF4-FFF2-40B4-BE49-F238E27FC236}">
+                <a16:creationId xmlns:a16="http://schemas.microsoft.com/office/drawing/2014/main" id="{3F39B083-DFDD-4636-8CD1-1912802A55E0}"/>
+              </a:ext>
+            </a:extLst>
+          </p:cNvPr>
+          <p:cNvSpPr/>
+          <p:nvPr/>
+        </p:nvSpPr>
+        <p:spPr>
+          <a:xfrm>
+            <a:off x="2162651" y="1927860"/>
+            <a:ext cx="1323658" cy="939800"/>
+          </a:xfrm>
+          <a:prstGeom prst="parallelogram">
+            <a:avLst/>
+          </a:prstGeom>
+          <a:noFill/>
+          <a:ln>
+            <a:solidFill>
+              <a:schemeClr val="tx1"/>
+            </a:solidFill>
+          </a:ln>
+        </p:spPr>
+        <p:style>
+          <a:lnRef idx="2">
+            <a:schemeClr val="accent1">
+              <a:shade val="50000"/>
+            </a:schemeClr>
+          </a:lnRef>
+          <a:fillRef idx="1">
+            <a:schemeClr val="accent1"/>
+          </a:fillRef>
+          <a:effectRef idx="0">
+            <a:schemeClr val="accent1"/>
+          </a:effectRef>
+          <a:fontRef idx="minor">
+            <a:schemeClr val="lt1"/>
+          </a:fontRef>
+        </p:style>
+        <p:txBody>
+          <a:bodyPr rtlCol="0" anchor="ctr"/>
+          <a:lstStyle/>
+          <a:p>
+            <a:pPr algn="ctr"/>
+            <a:endParaRPr lang="en-US"/>
+          </a:p>
+        </p:txBody>
+      </p:sp>
+      <p:sp>
+        <p:nvSpPr>
+          <p:cNvPr id="12" name="TextBox 11">
+            <a:extLst>
+              <a:ext uri="{FF2B5EF4-FFF2-40B4-BE49-F238E27FC236}">
+                <a16:creationId xmlns:a16="http://schemas.microsoft.com/office/drawing/2014/main" id="{8F395772-F3FC-4C05-A30B-6F9DF49CD59E}"/>
+              </a:ext>
+            </a:extLst>
+          </p:cNvPr>
+          <p:cNvSpPr txBox="1"/>
+          <p:nvPr/>
+        </p:nvSpPr>
+        <p:spPr>
+          <a:xfrm>
+            <a:off x="2367280" y="2283460"/>
+            <a:ext cx="914400" cy="228600"/>
+          </a:xfrm>
+          <a:prstGeom prst="rect">
+            <a:avLst/>
+          </a:prstGeom>
+          <a:noFill/>
+          <a:ln>
+            <a:noFill/>
+          </a:ln>
+        </p:spPr>
+        <p:txBody>
+          <a:bodyPr wrap="square" rtlCol="0" anchor="ctr">
+            <a:noAutofit/>
+          </a:bodyPr>
+          <a:lstStyle/>
+          <a:p>
+            <a:pPr algn="ctr"/>
+            <a:r>
+              <a:rPr lang="pt-BR" sz="1100" dirty="0"/>
+              <a:t>Thread</a:t>
+            </a:r>
+          </a:p>
+        </p:txBody>
+      </p:sp>
+      <p:sp>
+        <p:nvSpPr>
+          <p:cNvPr id="13" name="Parallelogram 12">
+            <a:extLst>
+              <a:ext uri="{FF2B5EF4-FFF2-40B4-BE49-F238E27FC236}">
+                <a16:creationId xmlns:a16="http://schemas.microsoft.com/office/drawing/2014/main" id="{333DB13D-126E-41AE-95AB-23FA1DDE306B}"/>
+              </a:ext>
+            </a:extLst>
+          </p:cNvPr>
+          <p:cNvSpPr/>
+          <p:nvPr/>
+        </p:nvSpPr>
+        <p:spPr>
+          <a:xfrm>
+            <a:off x="3690938" y="1927860"/>
+            <a:ext cx="1323658" cy="939800"/>
+          </a:xfrm>
+          <a:prstGeom prst="parallelogram">
+            <a:avLst/>
+          </a:prstGeom>
+          <a:noFill/>
+          <a:ln>
+            <a:solidFill>
+              <a:schemeClr val="tx1"/>
+            </a:solidFill>
+          </a:ln>
+        </p:spPr>
+        <p:style>
+          <a:lnRef idx="2">
+            <a:schemeClr val="accent1">
+              <a:shade val="50000"/>
+            </a:schemeClr>
+          </a:lnRef>
+          <a:fillRef idx="1">
+            <a:schemeClr val="accent1"/>
+          </a:fillRef>
+          <a:effectRef idx="0">
+            <a:schemeClr val="accent1"/>
+          </a:effectRef>
+          <a:fontRef idx="minor">
+            <a:schemeClr val="lt1"/>
+          </a:fontRef>
+        </p:style>
+        <p:txBody>
+          <a:bodyPr rtlCol="0" anchor="ctr"/>
+          <a:lstStyle/>
+          <a:p>
+            <a:pPr algn="ctr"/>
+            <a:endParaRPr lang="en-US"/>
+          </a:p>
+        </p:txBody>
+      </p:sp>
+      <p:sp>
+        <p:nvSpPr>
+          <p:cNvPr id="14" name="TextBox 13">
+            <a:extLst>
+              <a:ext uri="{FF2B5EF4-FFF2-40B4-BE49-F238E27FC236}">
+                <a16:creationId xmlns:a16="http://schemas.microsoft.com/office/drawing/2014/main" id="{849A6A8B-CB07-45D7-86EA-7DEAF872FD5F}"/>
+              </a:ext>
+            </a:extLst>
+          </p:cNvPr>
+          <p:cNvSpPr txBox="1"/>
+          <p:nvPr/>
+        </p:nvSpPr>
+        <p:spPr>
+          <a:xfrm>
+            <a:off x="3895567" y="2283460"/>
+            <a:ext cx="914400" cy="228600"/>
+          </a:xfrm>
+          <a:prstGeom prst="rect">
+            <a:avLst/>
+          </a:prstGeom>
+          <a:noFill/>
+          <a:ln>
+            <a:noFill/>
+          </a:ln>
+        </p:spPr>
+        <p:txBody>
+          <a:bodyPr wrap="square" rtlCol="0" anchor="ctr">
+            <a:noAutofit/>
+          </a:bodyPr>
+          <a:lstStyle/>
+          <a:p>
+            <a:pPr algn="ctr"/>
+            <a:r>
+              <a:rPr lang="pt-BR" sz="1100" dirty="0"/>
+              <a:t>Thread</a:t>
+            </a:r>
+          </a:p>
+        </p:txBody>
+      </p:sp>
+      <p:sp>
+        <p:nvSpPr>
+          <p:cNvPr id="15" name="Parallelogram 14">
+            <a:extLst>
+              <a:ext uri="{FF2B5EF4-FFF2-40B4-BE49-F238E27FC236}">
+                <a16:creationId xmlns:a16="http://schemas.microsoft.com/office/drawing/2014/main" id="{B4AB96AD-AECD-41F3-ACA3-72D9AFCDD385}"/>
+              </a:ext>
+            </a:extLst>
+          </p:cNvPr>
+          <p:cNvSpPr/>
+          <p:nvPr/>
+        </p:nvSpPr>
+        <p:spPr>
+          <a:xfrm>
+            <a:off x="3073082" y="3144789"/>
+            <a:ext cx="1323658" cy="939800"/>
+          </a:xfrm>
+          <a:prstGeom prst="parallelogram">
+            <a:avLst/>
+          </a:prstGeom>
+          <a:noFill/>
+          <a:ln>
+            <a:solidFill>
+              <a:schemeClr val="tx1"/>
+            </a:solidFill>
+          </a:ln>
+        </p:spPr>
+        <p:style>
+          <a:lnRef idx="2">
+            <a:schemeClr val="accent1">
+              <a:shade val="50000"/>
+            </a:schemeClr>
+          </a:lnRef>
+          <a:fillRef idx="1">
+            <a:schemeClr val="accent1"/>
+          </a:fillRef>
+          <a:effectRef idx="0">
+            <a:schemeClr val="accent1"/>
+          </a:effectRef>
+          <a:fontRef idx="minor">
+            <a:schemeClr val="lt1"/>
+          </a:fontRef>
+        </p:style>
+        <p:txBody>
+          <a:bodyPr rtlCol="0" anchor="ctr"/>
+          <a:lstStyle/>
+          <a:p>
+            <a:pPr algn="ctr"/>
+            <a:endParaRPr lang="en-US"/>
+          </a:p>
+        </p:txBody>
+      </p:sp>
+      <p:sp>
+        <p:nvSpPr>
+          <p:cNvPr id="16" name="TextBox 15">
+            <a:extLst>
+              <a:ext uri="{FF2B5EF4-FFF2-40B4-BE49-F238E27FC236}">
+                <a16:creationId xmlns:a16="http://schemas.microsoft.com/office/drawing/2014/main" id="{8668C961-372F-43E4-9416-AD6DE71E7E8F}"/>
+              </a:ext>
+            </a:extLst>
+          </p:cNvPr>
+          <p:cNvSpPr txBox="1"/>
+          <p:nvPr/>
+        </p:nvSpPr>
+        <p:spPr>
+          <a:xfrm>
+            <a:off x="3277711" y="3500389"/>
+            <a:ext cx="914400" cy="228600"/>
+          </a:xfrm>
+          <a:prstGeom prst="rect">
+            <a:avLst/>
+          </a:prstGeom>
+          <a:noFill/>
+          <a:ln>
+            <a:noFill/>
+          </a:ln>
+        </p:spPr>
+        <p:txBody>
+          <a:bodyPr wrap="square" rtlCol="0" anchor="ctr">
+            <a:noAutofit/>
+          </a:bodyPr>
+          <a:lstStyle/>
+          <a:p>
+            <a:pPr algn="ctr"/>
+            <a:r>
+              <a:rPr lang="pt-BR" sz="1100" dirty="0"/>
+              <a:t>Thread</a:t>
+            </a:r>
+          </a:p>
+        </p:txBody>
+      </p:sp>
+    </p:spTree>
+    <p:extLst>
+      <p:ext uri="{BB962C8B-B14F-4D97-AF65-F5344CB8AC3E}">
+        <p14:creationId xmlns:p14="http://schemas.microsoft.com/office/powerpoint/2010/main" val="2227812922"/>
       </p:ext>
     </p:extLst>
   </p:cSld>

--- a/docs/ARP_CAM_System.pptx
+++ b/docs/ARP_CAM_System.pptx
@@ -4979,8 +4979,8 @@
         </p:nvSpPr>
         <p:spPr>
           <a:xfrm>
-            <a:off x="1193804" y="1282230"/>
-            <a:ext cx="4714236" cy="3355809"/>
+            <a:off x="1193803" y="1282230"/>
+            <a:ext cx="5720641" cy="3355809"/>
           </a:xfrm>
           <a:prstGeom prst="parallelogram">
             <a:avLst/>
@@ -5070,8 +5070,8 @@
         </p:nvSpPr>
         <p:spPr>
           <a:xfrm>
-            <a:off x="1561782" y="3144789"/>
-            <a:ext cx="1323658" cy="939800"/>
+            <a:off x="1863299" y="3144789"/>
+            <a:ext cx="1828800" cy="914400"/>
           </a:xfrm>
           <a:prstGeom prst="parallelogram">
             <a:avLst/>
@@ -5122,8 +5122,8 @@
         </p:nvSpPr>
         <p:spPr>
           <a:xfrm>
-            <a:off x="1766411" y="3500389"/>
-            <a:ext cx="914400" cy="228600"/>
+            <a:off x="1963883" y="3373389"/>
+            <a:ext cx="1627632" cy="457200"/>
           </a:xfrm>
           <a:prstGeom prst="rect">
             <a:avLst/>
@@ -5142,7 +5142,7 @@
             <a:pPr algn="ctr"/>
             <a:r>
               <a:rPr lang="pt-BR" sz="1100" dirty="0"/>
-              <a:t>Thread</a:t>
+              <a:t>thread get_attitude</a:t>
             </a:r>
           </a:p>
         </p:txBody>
@@ -5161,8 +5161,8 @@
         </p:nvSpPr>
         <p:spPr>
           <a:xfrm>
-            <a:off x="2162651" y="1927860"/>
-            <a:ext cx="1323658" cy="939800"/>
+            <a:off x="2162650" y="1927860"/>
+            <a:ext cx="1828800" cy="914400"/>
           </a:xfrm>
           <a:prstGeom prst="parallelogram">
             <a:avLst/>
@@ -5213,8 +5213,8 @@
         </p:nvSpPr>
         <p:spPr>
           <a:xfrm>
-            <a:off x="2367280" y="2283460"/>
-            <a:ext cx="914400" cy="228600"/>
+            <a:off x="2263234" y="2156460"/>
+            <a:ext cx="1627632" cy="457200"/>
           </a:xfrm>
           <a:prstGeom prst="rect">
             <a:avLst/>
@@ -5233,7 +5233,7 @@
             <a:pPr algn="ctr"/>
             <a:r>
               <a:rPr lang="pt-BR" sz="1100" dirty="0"/>
-              <a:t>Thread</a:t>
+              <a:t>thread get_radio_command</a:t>
             </a:r>
           </a:p>
         </p:txBody>
@@ -5252,8 +5252,8 @@
         </p:nvSpPr>
         <p:spPr>
           <a:xfrm>
-            <a:off x="3690938" y="1927860"/>
-            <a:ext cx="1323658" cy="939800"/>
+            <a:off x="4366488" y="1927860"/>
+            <a:ext cx="1828800" cy="914400"/>
           </a:xfrm>
           <a:prstGeom prst="parallelogram">
             <a:avLst/>
@@ -5304,8 +5304,8 @@
         </p:nvSpPr>
         <p:spPr>
           <a:xfrm>
-            <a:off x="3895567" y="2283460"/>
-            <a:ext cx="914400" cy="228600"/>
+            <a:off x="4467072" y="2156460"/>
+            <a:ext cx="1627632" cy="457200"/>
           </a:xfrm>
           <a:prstGeom prst="rect">
             <a:avLst/>
@@ -5324,7 +5324,7 @@
             <a:pPr algn="ctr"/>
             <a:r>
               <a:rPr lang="pt-BR" sz="1100" dirty="0"/>
-              <a:t>Thread</a:t>
+              <a:t>thread control_servos</a:t>
             </a:r>
           </a:p>
         </p:txBody>
@@ -5343,8 +5343,8 @@
         </p:nvSpPr>
         <p:spPr>
           <a:xfrm>
-            <a:off x="3073082" y="3144789"/>
-            <a:ext cx="1323658" cy="939800"/>
+            <a:off x="4055230" y="3144789"/>
+            <a:ext cx="1828800" cy="914400"/>
           </a:xfrm>
           <a:prstGeom prst="parallelogram">
             <a:avLst/>
@@ -5395,8 +5395,8 @@
         </p:nvSpPr>
         <p:spPr>
           <a:xfrm>
-            <a:off x="3277711" y="3500389"/>
-            <a:ext cx="914400" cy="228600"/>
+            <a:off x="4155814" y="3373389"/>
+            <a:ext cx="1627632" cy="457200"/>
           </a:xfrm>
           <a:prstGeom prst="rect">
             <a:avLst/>
@@ -5415,7 +5415,7 @@
             <a:pPr algn="ctr"/>
             <a:r>
               <a:rPr lang="pt-BR" sz="1100" dirty="0"/>
-              <a:t>Thread</a:t>
+              <a:t>thread process_video</a:t>
             </a:r>
           </a:p>
         </p:txBody>
